--- a/slide.pptx
+++ b/slide.pptx
@@ -22748,11 +22748,7 @@
             <a:pPr lvl="2"/>
             <a:r>
               <a:rPr lang="fr-FR" dirty="0"/>
-              <a:t>java-workshop </a:t>
-            </a:r>
-            <a:r>
-              <a:rPr lang="fr-FR" dirty="0"/>
-              <a:t>(SDK8, Maven)</a:t>
+              <a:t>java-workshop (SDK8, Maven)</a:t>
             </a:r>
           </a:p>
           <a:p>
@@ -22763,11 +22759,7 @@
             </a:r>
             <a:r>
               <a:rPr lang="fr-FR" dirty="0"/>
-              <a:t>-workshop </a:t>
-            </a:r>
-            <a:r>
-              <a:rPr lang="fr-FR" dirty="0"/>
-              <a:t>(Node.js)</a:t>
+              <a:t>-workshop (Node.js)</a:t>
             </a:r>
           </a:p>
           <a:p>
@@ -22801,11 +22793,11 @@
             </a:r>
             <a:r>
               <a:rPr lang="fr-FR" dirty="0"/>
-              <a:t>: https://</a:t>
-            </a:r>
-            <a:r>
-              <a:rPr lang="fr-FR" dirty="0" smtClean="0"/>
-              <a:t>raw.githubusercontent.com/jeantil/mixter/slide/slide.pdf</a:t>
+              <a:t>: </a:t>
+            </a:r>
+            <a:r>
+              <a:rPr lang="fr-FR" dirty="0"/>
+              <a:t>https://github.com/jeantil/mixter/raw/Slide/slide.pdf</a:t>
             </a:r>
             <a:endParaRPr lang="fr-FR" dirty="0"/>
           </a:p>
